--- a/papers/(2021 WWW) A Model of Two Tales Dual Transfer Learning Framework for Improved Long-tail Item Recommendation/ppt.pptx
+++ b/papers/(2021 WWW) A Model of Two Tales Dual Transfer Learning Framework for Improved Long-tail Item Recommendation/ppt.pptx
@@ -266,7 +266,7 @@
           <a:p>
             <a:fld id="{A44863BA-890A-407B-B819-BB6650583033}" type="datetimeFigureOut">
               <a:rPr lang="zh-CN" altLang="en-US" smtClean="0"/>
-              <a:t>2021/10/10</a:t>
+              <a:t>2021/10/11</a:t>
             </a:fld>
             <a:endParaRPr lang="zh-CN" altLang="en-US"/>
           </a:p>
@@ -464,7 +464,7 @@
           <a:p>
             <a:fld id="{A44863BA-890A-407B-B819-BB6650583033}" type="datetimeFigureOut">
               <a:rPr lang="zh-CN" altLang="en-US" smtClean="0"/>
-              <a:t>2021/10/10</a:t>
+              <a:t>2021/10/11</a:t>
             </a:fld>
             <a:endParaRPr lang="zh-CN" altLang="en-US"/>
           </a:p>
@@ -672,7 +672,7 @@
           <a:p>
             <a:fld id="{A44863BA-890A-407B-B819-BB6650583033}" type="datetimeFigureOut">
               <a:rPr lang="zh-CN" altLang="en-US" smtClean="0"/>
-              <a:t>2021/10/10</a:t>
+              <a:t>2021/10/11</a:t>
             </a:fld>
             <a:endParaRPr lang="zh-CN" altLang="en-US"/>
           </a:p>
@@ -870,7 +870,7 @@
           <a:p>
             <a:fld id="{A44863BA-890A-407B-B819-BB6650583033}" type="datetimeFigureOut">
               <a:rPr lang="zh-CN" altLang="en-US" smtClean="0"/>
-              <a:t>2021/10/10</a:t>
+              <a:t>2021/10/11</a:t>
             </a:fld>
             <a:endParaRPr lang="zh-CN" altLang="en-US"/>
           </a:p>
@@ -1145,7 +1145,7 @@
           <a:p>
             <a:fld id="{A44863BA-890A-407B-B819-BB6650583033}" type="datetimeFigureOut">
               <a:rPr lang="zh-CN" altLang="en-US" smtClean="0"/>
-              <a:t>2021/10/10</a:t>
+              <a:t>2021/10/11</a:t>
             </a:fld>
             <a:endParaRPr lang="zh-CN" altLang="en-US"/>
           </a:p>
@@ -1410,7 +1410,7 @@
           <a:p>
             <a:fld id="{A44863BA-890A-407B-B819-BB6650583033}" type="datetimeFigureOut">
               <a:rPr lang="zh-CN" altLang="en-US" smtClean="0"/>
-              <a:t>2021/10/10</a:t>
+              <a:t>2021/10/11</a:t>
             </a:fld>
             <a:endParaRPr lang="zh-CN" altLang="en-US"/>
           </a:p>
@@ -1822,7 +1822,7 @@
           <a:p>
             <a:fld id="{A44863BA-890A-407B-B819-BB6650583033}" type="datetimeFigureOut">
               <a:rPr lang="zh-CN" altLang="en-US" smtClean="0"/>
-              <a:t>2021/10/10</a:t>
+              <a:t>2021/10/11</a:t>
             </a:fld>
             <a:endParaRPr lang="zh-CN" altLang="en-US"/>
           </a:p>
@@ -1963,7 +1963,7 @@
           <a:p>
             <a:fld id="{A44863BA-890A-407B-B819-BB6650583033}" type="datetimeFigureOut">
               <a:rPr lang="zh-CN" altLang="en-US" smtClean="0"/>
-              <a:t>2021/10/10</a:t>
+              <a:t>2021/10/11</a:t>
             </a:fld>
             <a:endParaRPr lang="zh-CN" altLang="en-US"/>
           </a:p>
@@ -2076,7 +2076,7 @@
           <a:p>
             <a:fld id="{A44863BA-890A-407B-B819-BB6650583033}" type="datetimeFigureOut">
               <a:rPr lang="zh-CN" altLang="en-US" smtClean="0"/>
-              <a:t>2021/10/10</a:t>
+              <a:t>2021/10/11</a:t>
             </a:fld>
             <a:endParaRPr lang="zh-CN" altLang="en-US"/>
           </a:p>
@@ -2387,7 +2387,7 @@
           <a:p>
             <a:fld id="{A44863BA-890A-407B-B819-BB6650583033}" type="datetimeFigureOut">
               <a:rPr lang="zh-CN" altLang="en-US" smtClean="0"/>
-              <a:t>2021/10/10</a:t>
+              <a:t>2021/10/11</a:t>
             </a:fld>
             <a:endParaRPr lang="zh-CN" altLang="en-US"/>
           </a:p>
@@ -2675,7 +2675,7 @@
           <a:p>
             <a:fld id="{A44863BA-890A-407B-B819-BB6650583033}" type="datetimeFigureOut">
               <a:rPr lang="zh-CN" altLang="en-US" smtClean="0"/>
-              <a:t>2021/10/10</a:t>
+              <a:t>2021/10/11</a:t>
             </a:fld>
             <a:endParaRPr lang="zh-CN" altLang="en-US"/>
           </a:p>
@@ -2916,7 +2916,7 @@
           <a:p>
             <a:fld id="{A44863BA-890A-407B-B819-BB6650583033}" type="datetimeFigureOut">
               <a:rPr lang="zh-CN" altLang="en-US" smtClean="0"/>
-              <a:t>2021/10/10</a:t>
+              <a:t>2021/10/11</a:t>
             </a:fld>
             <a:endParaRPr lang="zh-CN" altLang="en-US"/>
           </a:p>
@@ -3405,22 +3405,34 @@
           <a:lstStyle/>
           <a:p>
             <a:r>
-              <a:rPr lang="en-US" altLang="zh-CN" dirty="0"/>
-              <a:t>Year : 2020</a:t>
-            </a:r>
-          </a:p>
-          <a:p>
-            <a:r>
-              <a:rPr lang="en-US" altLang="zh-CN" dirty="0"/>
-              <a:t>Conference : KDD</a:t>
-            </a:r>
-          </a:p>
-          <a:p>
-            <a:r>
-              <a:rPr lang="en-US" altLang="zh-CN" dirty="0"/>
+              <a:rPr lang="en-US" altLang="zh-CN" dirty="0">
+                <a:latin typeface="Times New Roman" panose="02020603050405020304" pitchFamily="18" charset="0"/>
+                <a:cs typeface="Times New Roman" panose="02020603050405020304" pitchFamily="18" charset="0"/>
+              </a:rPr>
+              <a:t>Year : 2021</a:t>
+            </a:r>
+          </a:p>
+          <a:p>
+            <a:r>
+              <a:rPr lang="en-US" altLang="zh-CN" dirty="0">
+                <a:latin typeface="Times New Roman" panose="02020603050405020304" pitchFamily="18" charset="0"/>
+                <a:cs typeface="Times New Roman" panose="02020603050405020304" pitchFamily="18" charset="0"/>
+              </a:rPr>
+              <a:t>Conference : WWW</a:t>
+            </a:r>
+          </a:p>
+          <a:p>
+            <a:r>
+              <a:rPr lang="en-US" altLang="zh-CN" dirty="0">
+                <a:latin typeface="Times New Roman" panose="02020603050405020304" pitchFamily="18" charset="0"/>
+                <a:cs typeface="Times New Roman" panose="02020603050405020304" pitchFamily="18" charset="0"/>
+              </a:rPr>
               <a:t>Author : Zhang Yin</a:t>
             </a:r>
-            <a:endParaRPr lang="zh-CN" altLang="en-US" dirty="0"/>
+            <a:endParaRPr lang="zh-CN" altLang="en-US" dirty="0">
+              <a:latin typeface="Times New Roman" panose="02020603050405020304" pitchFamily="18" charset="0"/>
+              <a:cs typeface="Times New Roman" panose="02020603050405020304" pitchFamily="18" charset="0"/>
+            </a:endParaRPr>
           </a:p>
         </p:txBody>
       </p:sp>
